--- a/Student/Guides/Challenges.pptx
+++ b/Student/Guides/Challenges.pptx
@@ -5,7 +5,7 @@
     <p:sldMasterId id="2147483648" r:id="rId1"/>
   </p:sldMasterIdLst>
   <p:notesMasterIdLst>
-    <p:notesMasterId r:id="rId14"/>
+    <p:notesMasterId r:id="rId16"/>
   </p:notesMasterIdLst>
   <p:sldIdLst>
     <p:sldId id="256" r:id="rId2"/>
@@ -16,10 +16,12 @@
     <p:sldId id="270" r:id="rId7"/>
     <p:sldId id="263" r:id="rId8"/>
     <p:sldId id="266" r:id="rId9"/>
-    <p:sldId id="264" r:id="rId10"/>
-    <p:sldId id="271" r:id="rId11"/>
-    <p:sldId id="269" r:id="rId12"/>
-    <p:sldId id="268" r:id="rId13"/>
+    <p:sldId id="272" r:id="rId10"/>
+    <p:sldId id="273" r:id="rId11"/>
+    <p:sldId id="264" r:id="rId12"/>
+    <p:sldId id="271" r:id="rId13"/>
+    <p:sldId id="269" r:id="rId14"/>
+    <p:sldId id="268" r:id="rId15"/>
   </p:sldIdLst>
   <p:sldSz cx="12192000" cy="6858000"/>
   <p:notesSz cx="6858000" cy="9144000"/>
@@ -600,7 +602,7 @@
           <a:p>
             <a:fld id="{53D76E38-EB4B-425D-87E0-B33791D2CD91}" type="datetimeFigureOut">
               <a:rPr lang="en-US" smtClean="0"/>
-              <a:t>1/23/2020</a:t>
+              <a:t>2/24/2020</a:t>
             </a:fld>
             <a:endParaRPr lang="en-US"/>
           </a:p>
@@ -1100,7 +1102,7 @@
           <a:p>
             <a:fld id="{D1ABA2CB-342C-46F9-95EC-88F4F68DF547}" type="slidenum">
               <a:rPr lang="en-US" smtClean="0"/>
-              <a:t>9</a:t>
+              <a:t>11</a:t>
             </a:fld>
             <a:endParaRPr lang="en-US"/>
           </a:p>
@@ -1184,7 +1186,7 @@
           <a:p>
             <a:fld id="{D1ABA2CB-342C-46F9-95EC-88F4F68DF547}" type="slidenum">
               <a:rPr lang="en-US" smtClean="0"/>
-              <a:t>10</a:t>
+              <a:t>12</a:t>
             </a:fld>
             <a:endParaRPr lang="en-US"/>
           </a:p>
@@ -1350,7 +1352,7 @@
           <a:p>
             <a:fld id="{3E3C2F32-47E1-4D90-8C64-89D7BCB0B356}" type="datetimeFigureOut">
               <a:rPr lang="en-US" smtClean="0"/>
-              <a:t>1/23/2020</a:t>
+              <a:t>2/24/2020</a:t>
             </a:fld>
             <a:endParaRPr lang="en-US"/>
           </a:p>
@@ -1548,7 +1550,7 @@
           <a:p>
             <a:fld id="{3E3C2F32-47E1-4D90-8C64-89D7BCB0B356}" type="datetimeFigureOut">
               <a:rPr lang="en-US" smtClean="0"/>
-              <a:t>1/23/2020</a:t>
+              <a:t>2/24/2020</a:t>
             </a:fld>
             <a:endParaRPr lang="en-US"/>
           </a:p>
@@ -1756,7 +1758,7 @@
           <a:p>
             <a:fld id="{3E3C2F32-47E1-4D90-8C64-89D7BCB0B356}" type="datetimeFigureOut">
               <a:rPr lang="en-US" smtClean="0"/>
-              <a:t>1/23/2020</a:t>
+              <a:t>2/24/2020</a:t>
             </a:fld>
             <a:endParaRPr lang="en-US"/>
           </a:p>
@@ -1954,7 +1956,7 @@
           <a:p>
             <a:fld id="{3E3C2F32-47E1-4D90-8C64-89D7BCB0B356}" type="datetimeFigureOut">
               <a:rPr lang="en-US" smtClean="0"/>
-              <a:t>1/23/2020</a:t>
+              <a:t>2/24/2020</a:t>
             </a:fld>
             <a:endParaRPr lang="en-US"/>
           </a:p>
@@ -2229,7 +2231,7 @@
           <a:p>
             <a:fld id="{3E3C2F32-47E1-4D90-8C64-89D7BCB0B356}" type="datetimeFigureOut">
               <a:rPr lang="en-US" smtClean="0"/>
-              <a:t>1/23/2020</a:t>
+              <a:t>2/24/2020</a:t>
             </a:fld>
             <a:endParaRPr lang="en-US"/>
           </a:p>
@@ -2494,7 +2496,7 @@
           <a:p>
             <a:fld id="{3E3C2F32-47E1-4D90-8C64-89D7BCB0B356}" type="datetimeFigureOut">
               <a:rPr lang="en-US" smtClean="0"/>
-              <a:t>1/23/2020</a:t>
+              <a:t>2/24/2020</a:t>
             </a:fld>
             <a:endParaRPr lang="en-US"/>
           </a:p>
@@ -2906,7 +2908,7 @@
           <a:p>
             <a:fld id="{3E3C2F32-47E1-4D90-8C64-89D7BCB0B356}" type="datetimeFigureOut">
               <a:rPr lang="en-US" smtClean="0"/>
-              <a:t>1/23/2020</a:t>
+              <a:t>2/24/2020</a:t>
             </a:fld>
             <a:endParaRPr lang="en-US"/>
           </a:p>
@@ -3047,7 +3049,7 @@
           <a:p>
             <a:fld id="{3E3C2F32-47E1-4D90-8C64-89D7BCB0B356}" type="datetimeFigureOut">
               <a:rPr lang="en-US" smtClean="0"/>
-              <a:t>1/23/2020</a:t>
+              <a:t>2/24/2020</a:t>
             </a:fld>
             <a:endParaRPr lang="en-US"/>
           </a:p>
@@ -3160,7 +3162,7 @@
           <a:p>
             <a:fld id="{3E3C2F32-47E1-4D90-8C64-89D7BCB0B356}" type="datetimeFigureOut">
               <a:rPr lang="en-US" smtClean="0"/>
-              <a:t>1/23/2020</a:t>
+              <a:t>2/24/2020</a:t>
             </a:fld>
             <a:endParaRPr lang="en-US"/>
           </a:p>
@@ -3471,7 +3473,7 @@
           <a:p>
             <a:fld id="{3E3C2F32-47E1-4D90-8C64-89D7BCB0B356}" type="datetimeFigureOut">
               <a:rPr lang="en-US" smtClean="0"/>
-              <a:t>1/23/2020</a:t>
+              <a:t>2/24/2020</a:t>
             </a:fld>
             <a:endParaRPr lang="en-US"/>
           </a:p>
@@ -3759,7 +3761,7 @@
           <a:p>
             <a:fld id="{3E3C2F32-47E1-4D90-8C64-89D7BCB0B356}" type="datetimeFigureOut">
               <a:rPr lang="en-US" smtClean="0"/>
-              <a:t>1/23/2020</a:t>
+              <a:t>2/24/2020</a:t>
             </a:fld>
             <a:endParaRPr lang="en-US"/>
           </a:p>
@@ -4000,7 +4002,7 @@
           <a:p>
             <a:fld id="{3E3C2F32-47E1-4D90-8C64-89D7BCB0B356}" type="datetimeFigureOut">
               <a:rPr lang="en-US" smtClean="0"/>
-              <a:t>1/23/2020</a:t>
+              <a:t>2/24/2020</a:t>
             </a:fld>
             <a:endParaRPr lang="en-US"/>
           </a:p>
@@ -4436,20 +4438,13 @@
         <p:spPr/>
         <p:txBody>
           <a:bodyPr>
-            <a:normAutofit fontScale="90000"/>
+            <a:normAutofit/>
           </a:bodyPr>
           <a:lstStyle/>
           <a:p>
             <a:r>
               <a:rPr lang="en-US" dirty="0"/>
-              <a:t>Ready </a:t>
-            </a:r>
-            <a:br>
-              <a:rPr lang="en-US" dirty="0"/>
-            </a:br>
-            <a:r>
-              <a:rPr lang="en-US" dirty="0"/>
-              <a:t>Pre-day Azure Monitoring Workshop</a:t>
+              <a:t>Azure Monitor Workshop</a:t>
             </a:r>
           </a:p>
         </p:txBody>
@@ -4475,10 +4470,7 @@
           <a:bodyPr/>
           <a:lstStyle/>
           <a:p>
-            <a:r>
-              <a:rPr lang="en-US" dirty="0"/>
-              <a:t>2020</a:t>
-            </a:r>
+            <a:endParaRPr lang="en-US" dirty="0"/>
           </a:p>
         </p:txBody>
       </p:sp>
@@ -4517,7 +4509,7 @@
           <p:cNvPr id="2" name="Title 1">
             <a:extLst>
               <a:ext uri="{FF2B5EF4-FFF2-40B4-BE49-F238E27FC236}">
-                <a16:creationId xmlns:a16="http://schemas.microsoft.com/office/drawing/2014/main" id="{C56DE4EE-F33C-4E40-9BF5-44396AF32E8A}"/>
+                <a16:creationId xmlns:a16="http://schemas.microsoft.com/office/drawing/2014/main" id="{BB1818A4-9BA4-427D-AA13-E50C5DC34C4F}"/>
               </a:ext>
             </a:extLst>
           </p:cNvPr>
@@ -4535,7 +4527,7 @@
           <a:p>
             <a:r>
               <a:rPr lang="en-US" dirty="0"/>
-              <a:t>Workbooks Challenge</a:t>
+              <a:t>Optional Logs Challenge</a:t>
             </a:r>
           </a:p>
         </p:txBody>
@@ -4545,7 +4537,7 @@
           <p:cNvPr id="3" name="Content Placeholder 2">
             <a:extLst>
               <a:ext uri="{FF2B5EF4-FFF2-40B4-BE49-F238E27FC236}">
-                <a16:creationId xmlns:a16="http://schemas.microsoft.com/office/drawing/2014/main" id="{37395271-BA9B-4F04-A7C6-B7E915683536}"/>
+                <a16:creationId xmlns:a16="http://schemas.microsoft.com/office/drawing/2014/main" id="{F2C25D79-6D43-4C89-AC8F-AE004DB554D6}"/>
               </a:ext>
             </a:extLst>
           </p:cNvPr>
@@ -4556,21 +4548,28 @@
             <p:ph idx="1"/>
           </p:nvPr>
         </p:nvSpPr>
-        <p:spPr>
-          <a:xfrm>
-            <a:off x="838200" y="1825625"/>
-            <a:ext cx="10515600" cy="4667250"/>
-          </a:xfrm>
-        </p:spPr>
-        <p:txBody>
-          <a:bodyPr>
-            <a:normAutofit fontScale="85000" lnSpcReduction="20000"/>
-          </a:bodyPr>
+        <p:spPr/>
+        <p:txBody>
+          <a:bodyPr/>
           <a:lstStyle/>
           <a:p>
             <a:r>
               <a:rPr lang="en-US" dirty="0"/>
-              <a:t>Create workbook that combines browser, web server and infrastructure performance data for your </a:t>
+              <a:t>Combine infrastructure and application logs to create a single timeseries table that includes: </a:t>
+            </a:r>
+          </a:p>
+          <a:p>
+            <a:pPr lvl="1"/>
+            <a:r>
+              <a:rPr lang="en-US" dirty="0"/>
+              <a:t>CPU usage from nodes in your AKS cluster </a:t>
+            </a:r>
+          </a:p>
+          <a:p>
+            <a:pPr lvl="1"/>
+            <a:r>
+              <a:rPr lang="en-US" dirty="0"/>
+              <a:t>Server response time of requests to your </a:t>
             </a:r>
             <a:r>
               <a:rPr lang="en-US" dirty="0" err="1"/>
@@ -4578,107 +4577,18 @@
             </a:r>
             <a:r>
               <a:rPr lang="en-US" dirty="0"/>
-              <a:t> app on the AKS cluster including:</a:t>
-            </a:r>
-          </a:p>
-          <a:p>
-            <a:pPr lvl="1"/>
-            <a:r>
-              <a:rPr lang="en-US" dirty="0"/>
-              <a:t>Web page performance as observed from the client-side browser using Page View records.</a:t>
-            </a:r>
-          </a:p>
-          <a:p>
-            <a:pPr marL="914400" lvl="2" indent="0">
-              <a:buNone/>
-            </a:pPr>
-            <a:r>
-              <a:rPr lang="en-US" dirty="0"/>
-              <a:t>Visualizations: Time Selector, Table with columns for Page Titles, Page Views with Bar underneath, Average Page Time with Thresholds and Maximum Page time with Bar underneath.</a:t>
-            </a:r>
-          </a:p>
-          <a:p>
-            <a:pPr lvl="1"/>
-            <a:r>
-              <a:rPr lang="en-US" dirty="0"/>
-              <a:t>Request failures reported by the web server using Request records.</a:t>
-            </a:r>
-          </a:p>
-          <a:p>
-            <a:pPr marL="914400" lvl="2" indent="0">
-              <a:buNone/>
-            </a:pPr>
-            <a:r>
-              <a:rPr lang="en-US" dirty="0"/>
-              <a:t>Visualization: Table with columns for Request Name, HTTP Return Code, Failure Count with Heatmap and Page Time with Heatmap.</a:t>
-            </a:r>
-          </a:p>
-          <a:p>
-            <a:pPr lvl="1"/>
-            <a:r>
-              <a:rPr lang="en-US" dirty="0"/>
-              <a:t>Server response time as observed from the server-side using Request metrics.</a:t>
-            </a:r>
-          </a:p>
-          <a:p>
-            <a:pPr marL="914400" lvl="2" indent="0">
-              <a:buNone/>
-            </a:pPr>
-            <a:r>
-              <a:rPr lang="en-US" dirty="0"/>
-              <a:t>Visualization: Line Chart of Average and Max Server Response Time.</a:t>
-            </a:r>
-          </a:p>
-          <a:p>
-            <a:pPr lvl="1"/>
-            <a:r>
-              <a:rPr lang="en-US" dirty="0"/>
-              <a:t>Infrastructure performance as observed from the nodes in the AKS cluster on which the application is deployed using Average and Maximum CPU usage metrics.</a:t>
-            </a:r>
-          </a:p>
-          <a:p>
-            <a:pPr marL="914400" lvl="2" indent="0">
-              <a:buNone/>
-            </a:pPr>
-            <a:r>
-              <a:rPr lang="en-US" dirty="0"/>
-              <a:t>Visualization: Line Chart of Average CPU usage percentage by AKS cluster node.</a:t>
-            </a:r>
-          </a:p>
-          <a:p>
-            <a:pPr lvl="1"/>
-            <a:r>
-              <a:rPr lang="en-US" dirty="0"/>
-              <a:t>Infrastructure performance from AKS nodes showing disk used percentage based on Log Analytics records.</a:t>
-            </a:r>
-          </a:p>
-          <a:p>
-            <a:pPr marL="914400" lvl="2" indent="0">
-              <a:buNone/>
-            </a:pPr>
-            <a:r>
-              <a:rPr lang="en-US" dirty="0"/>
-              <a:t>Visualization: Line Chart of Average Disk used percentage by AKS cluster node.</a:t>
-            </a:r>
-          </a:p>
-          <a:p>
-            <a:pPr marL="0" indent="0">
-              <a:buNone/>
-            </a:pPr>
-            <a:r>
-              <a:rPr lang="en-US" sz="2400" dirty="0">
-                <a:hlinkClick r:id="rId3"/>
-              </a:rPr>
-              <a:t>https://docs.microsoft.com/en-us/azure/azure-monitor/app/usage-workbooks</a:t>
-            </a:r>
-            <a:endParaRPr lang="en-US" sz="2400" dirty="0"/>
+              <a:t> app hosted on the cluster.</a:t>
+            </a:r>
+          </a:p>
+          <a:p>
+            <a:endParaRPr lang="en-US" dirty="0"/>
           </a:p>
         </p:txBody>
       </p:sp>
     </p:spTree>
     <p:extLst>
       <p:ext uri="{BB962C8B-B14F-4D97-AF65-F5344CB8AC3E}">
-        <p14:creationId xmlns:p14="http://schemas.microsoft.com/office/powerpoint/2010/main" val="4184808282"/>
+        <p14:creationId xmlns:p14="http://schemas.microsoft.com/office/powerpoint/2010/main" val="2406327123"/>
       </p:ext>
     </p:extLst>
   </p:cSld>
@@ -4707,6 +4617,336 @@
       </p:grpSpPr>
       <p:sp>
         <p:nvSpPr>
+          <p:cNvPr id="2" name="Title 1">
+            <a:extLst>
+              <a:ext uri="{FF2B5EF4-FFF2-40B4-BE49-F238E27FC236}">
+                <a16:creationId xmlns:a16="http://schemas.microsoft.com/office/drawing/2014/main" id="{9103BE6A-C3F7-45A9-AAB2-2D815440BC0A}"/>
+              </a:ext>
+            </a:extLst>
+          </p:cNvPr>
+          <p:cNvSpPr>
+            <a:spLocks noGrp="1"/>
+          </p:cNvSpPr>
+          <p:nvPr>
+            <p:ph type="title"/>
+          </p:nvPr>
+        </p:nvSpPr>
+        <p:spPr/>
+        <p:txBody>
+          <a:bodyPr/>
+          <a:lstStyle/>
+          <a:p>
+            <a:r>
+              <a:rPr lang="en-US" dirty="0"/>
+              <a:t>Dashboard &amp; Analytics Challenge</a:t>
+            </a:r>
+          </a:p>
+        </p:txBody>
+      </p:sp>
+      <p:sp>
+        <p:nvSpPr>
+          <p:cNvPr id="3" name="Content Placeholder 2">
+            <a:extLst>
+              <a:ext uri="{FF2B5EF4-FFF2-40B4-BE49-F238E27FC236}">
+                <a16:creationId xmlns:a16="http://schemas.microsoft.com/office/drawing/2014/main" id="{83B3D083-6DDC-4DF6-842F-2957BF37C439}"/>
+              </a:ext>
+            </a:extLst>
+          </p:cNvPr>
+          <p:cNvSpPr>
+            <a:spLocks noGrp="1"/>
+          </p:cNvSpPr>
+          <p:nvPr>
+            <p:ph idx="1"/>
+          </p:nvPr>
+        </p:nvSpPr>
+        <p:spPr/>
+        <p:txBody>
+          <a:bodyPr>
+            <a:normAutofit/>
+          </a:bodyPr>
+          <a:lstStyle/>
+          <a:p>
+            <a:r>
+              <a:rPr lang="en-US" dirty="0"/>
+              <a:t>Deploy Grafana using Web App for Container</a:t>
+            </a:r>
+          </a:p>
+          <a:p>
+            <a:pPr lvl="1"/>
+            <a:r>
+              <a:rPr lang="en-US" dirty="0"/>
+              <a:t>Hint: </a:t>
+            </a:r>
+            <a:r>
+              <a:rPr lang="en-US" dirty="0">
+                <a:hlinkClick r:id="rId3"/>
+              </a:rPr>
+              <a:t>http://docs.grafana.org/installation/docker/</a:t>
+            </a:r>
+            <a:endParaRPr lang="en-US" dirty="0"/>
+          </a:p>
+          <a:p>
+            <a:r>
+              <a:rPr lang="en-US" dirty="0"/>
+              <a:t>Configure the Azure Monitor Data Source for Azure Monitor, Log Analytics and Application Insights</a:t>
+            </a:r>
+          </a:p>
+          <a:p>
+            <a:r>
+              <a:rPr lang="en-US" dirty="0"/>
+              <a:t>Create a CPU Chart with a Grafana variable used to select Computer Name</a:t>
+            </a:r>
+          </a:p>
+          <a:p>
+            <a:r>
+              <a:rPr lang="en-US" dirty="0"/>
+              <a:t>Add an Annotation to your chart overlaying Computer Heartbeat</a:t>
+            </a:r>
+          </a:p>
+          <a:p>
+            <a:r>
+              <a:rPr lang="en-US" dirty="0"/>
+              <a:t>First Team to email me a screenshot with your chart wins the challenge.  Good luck!</a:t>
+            </a:r>
+          </a:p>
+          <a:p>
+            <a:pPr lvl="1"/>
+            <a:endParaRPr lang="en-US" dirty="0"/>
+          </a:p>
+          <a:p>
+            <a:pPr lvl="1"/>
+            <a:endParaRPr lang="en-US" dirty="0"/>
+          </a:p>
+          <a:p>
+            <a:endParaRPr lang="en-US" dirty="0"/>
+          </a:p>
+        </p:txBody>
+      </p:sp>
+    </p:spTree>
+    <p:extLst>
+      <p:ext uri="{BB962C8B-B14F-4D97-AF65-F5344CB8AC3E}">
+        <p14:creationId xmlns:p14="http://schemas.microsoft.com/office/powerpoint/2010/main" val="340413092"/>
+      </p:ext>
+    </p:extLst>
+  </p:cSld>
+  <p:clrMapOvr>
+    <a:masterClrMapping/>
+  </p:clrMapOvr>
+</p:sld>
+</file>
+
+<file path=ppt/slides/slide12.xml><?xml version="1.0" encoding="utf-8"?>
+<p:sld xmlns:a="http://schemas.openxmlformats.org/drawingml/2006/main" xmlns:r="http://schemas.openxmlformats.org/officeDocument/2006/relationships" xmlns:p="http://schemas.openxmlformats.org/presentationml/2006/main">
+  <p:cSld>
+    <p:spTree>
+      <p:nvGrpSpPr>
+        <p:cNvPr id="1" name=""/>
+        <p:cNvGrpSpPr/>
+        <p:nvPr/>
+      </p:nvGrpSpPr>
+      <p:grpSpPr>
+        <a:xfrm>
+          <a:off x="0" y="0"/>
+          <a:ext cx="0" cy="0"/>
+          <a:chOff x="0" y="0"/>
+          <a:chExt cx="0" cy="0"/>
+        </a:xfrm>
+      </p:grpSpPr>
+      <p:sp>
+        <p:nvSpPr>
+          <p:cNvPr id="2" name="Title 1">
+            <a:extLst>
+              <a:ext uri="{FF2B5EF4-FFF2-40B4-BE49-F238E27FC236}">
+                <a16:creationId xmlns:a16="http://schemas.microsoft.com/office/drawing/2014/main" id="{C56DE4EE-F33C-4E40-9BF5-44396AF32E8A}"/>
+              </a:ext>
+            </a:extLst>
+          </p:cNvPr>
+          <p:cNvSpPr>
+            <a:spLocks noGrp="1"/>
+          </p:cNvSpPr>
+          <p:nvPr>
+            <p:ph type="title"/>
+          </p:nvPr>
+        </p:nvSpPr>
+        <p:spPr/>
+        <p:txBody>
+          <a:bodyPr/>
+          <a:lstStyle/>
+          <a:p>
+            <a:r>
+              <a:rPr lang="en-US" dirty="0"/>
+              <a:t>Workbooks Challenge</a:t>
+            </a:r>
+          </a:p>
+        </p:txBody>
+      </p:sp>
+      <p:sp>
+        <p:nvSpPr>
+          <p:cNvPr id="3" name="Content Placeholder 2">
+            <a:extLst>
+              <a:ext uri="{FF2B5EF4-FFF2-40B4-BE49-F238E27FC236}">
+                <a16:creationId xmlns:a16="http://schemas.microsoft.com/office/drawing/2014/main" id="{37395271-BA9B-4F04-A7C6-B7E915683536}"/>
+              </a:ext>
+            </a:extLst>
+          </p:cNvPr>
+          <p:cNvSpPr>
+            <a:spLocks noGrp="1"/>
+          </p:cNvSpPr>
+          <p:nvPr>
+            <p:ph idx="1"/>
+          </p:nvPr>
+        </p:nvSpPr>
+        <p:spPr>
+          <a:xfrm>
+            <a:off x="838200" y="1825625"/>
+            <a:ext cx="10515600" cy="4667250"/>
+          </a:xfrm>
+        </p:spPr>
+        <p:txBody>
+          <a:bodyPr>
+            <a:normAutofit fontScale="85000" lnSpcReduction="20000"/>
+          </a:bodyPr>
+          <a:lstStyle/>
+          <a:p>
+            <a:r>
+              <a:rPr lang="en-US" dirty="0"/>
+              <a:t>Create workbook that combines browser, web server and infrastructure performance data for your </a:t>
+            </a:r>
+            <a:r>
+              <a:rPr lang="en-US" dirty="0" err="1"/>
+              <a:t>eshoponweb</a:t>
+            </a:r>
+            <a:r>
+              <a:rPr lang="en-US" dirty="0"/>
+              <a:t> app on the AKS cluster including:</a:t>
+            </a:r>
+          </a:p>
+          <a:p>
+            <a:pPr lvl="1"/>
+            <a:r>
+              <a:rPr lang="en-US" dirty="0"/>
+              <a:t>Web page performance as observed from the client-side browser using Page View records.</a:t>
+            </a:r>
+          </a:p>
+          <a:p>
+            <a:pPr marL="914400" lvl="2" indent="0">
+              <a:buNone/>
+            </a:pPr>
+            <a:r>
+              <a:rPr lang="en-US" dirty="0"/>
+              <a:t>Visualizations: Time Selector, Table with columns for Page Titles, Page Views with Bar underneath, Average Page Time with Thresholds and Maximum Page time with Bar underneath.</a:t>
+            </a:r>
+          </a:p>
+          <a:p>
+            <a:pPr lvl="1"/>
+            <a:r>
+              <a:rPr lang="en-US" dirty="0"/>
+              <a:t>Request failures reported by the web server using Request records.</a:t>
+            </a:r>
+          </a:p>
+          <a:p>
+            <a:pPr marL="914400" lvl="2" indent="0">
+              <a:buNone/>
+            </a:pPr>
+            <a:r>
+              <a:rPr lang="en-US" dirty="0"/>
+              <a:t>Visualization: Table with columns for Request Name, HTTP Return Code, Failure Count with Heatmap and Page Time with Heatmap.</a:t>
+            </a:r>
+          </a:p>
+          <a:p>
+            <a:pPr lvl="1"/>
+            <a:r>
+              <a:rPr lang="en-US" dirty="0"/>
+              <a:t>Server response time as observed from the server-side using Request metrics.</a:t>
+            </a:r>
+          </a:p>
+          <a:p>
+            <a:pPr marL="914400" lvl="2" indent="0">
+              <a:buNone/>
+            </a:pPr>
+            <a:r>
+              <a:rPr lang="en-US" dirty="0"/>
+              <a:t>Visualization: Line Chart of Average and Max Server Response Time.</a:t>
+            </a:r>
+          </a:p>
+          <a:p>
+            <a:pPr lvl="1"/>
+            <a:r>
+              <a:rPr lang="en-US" dirty="0"/>
+              <a:t>Infrastructure performance as observed from the nodes in the AKS cluster on which the application is deployed using Average and Maximum CPU usage metrics.</a:t>
+            </a:r>
+          </a:p>
+          <a:p>
+            <a:pPr marL="914400" lvl="2" indent="0">
+              <a:buNone/>
+            </a:pPr>
+            <a:r>
+              <a:rPr lang="en-US" dirty="0"/>
+              <a:t>Visualization: Line Chart of Average CPU usage percentage by AKS cluster node.</a:t>
+            </a:r>
+          </a:p>
+          <a:p>
+            <a:pPr lvl="1"/>
+            <a:r>
+              <a:rPr lang="en-US" dirty="0"/>
+              <a:t>Infrastructure performance from AKS nodes showing disk used percentage based on Log Analytics records.</a:t>
+            </a:r>
+          </a:p>
+          <a:p>
+            <a:pPr marL="914400" lvl="2" indent="0">
+              <a:buNone/>
+            </a:pPr>
+            <a:r>
+              <a:rPr lang="en-US" dirty="0"/>
+              <a:t>Visualization: Line Chart of Average Disk used percentage by AKS cluster node.</a:t>
+            </a:r>
+          </a:p>
+          <a:p>
+            <a:pPr marL="0" indent="0">
+              <a:buNone/>
+            </a:pPr>
+            <a:r>
+              <a:rPr lang="en-US" sz="2400" dirty="0">
+                <a:hlinkClick r:id="rId3"/>
+              </a:rPr>
+              <a:t>https://docs.microsoft.com/en-us/azure/azure-monitor/app/usage-workbooks</a:t>
+            </a:r>
+            <a:endParaRPr lang="en-US" sz="2400" dirty="0"/>
+          </a:p>
+        </p:txBody>
+      </p:sp>
+    </p:spTree>
+    <p:extLst>
+      <p:ext uri="{BB962C8B-B14F-4D97-AF65-F5344CB8AC3E}">
+        <p14:creationId xmlns:p14="http://schemas.microsoft.com/office/powerpoint/2010/main" val="4184808282"/>
+      </p:ext>
+    </p:extLst>
+  </p:cSld>
+  <p:clrMapOvr>
+    <a:masterClrMapping/>
+  </p:clrMapOvr>
+</p:sld>
+</file>
+
+<file path=ppt/slides/slide13.xml><?xml version="1.0" encoding="utf-8"?>
+<p:sld xmlns:a="http://schemas.openxmlformats.org/drawingml/2006/main" xmlns:r="http://schemas.openxmlformats.org/officeDocument/2006/relationships" xmlns:p="http://schemas.openxmlformats.org/presentationml/2006/main">
+  <p:cSld>
+    <p:spTree>
+      <p:nvGrpSpPr>
+        <p:cNvPr id="1" name=""/>
+        <p:cNvGrpSpPr/>
+        <p:nvPr/>
+      </p:nvGrpSpPr>
+      <p:grpSpPr>
+        <a:xfrm>
+          <a:off x="0" y="0"/>
+          <a:ext cx="0" cy="0"/>
+          <a:chOff x="0" y="0"/>
+          <a:chExt cx="0" cy="0"/>
+        </a:xfrm>
+      </p:grpSpPr>
+      <p:sp>
+        <p:nvSpPr>
           <p:cNvPr id="4" name="Title 3">
             <a:extLst>
               <a:ext uri="{FF2B5EF4-FFF2-40B4-BE49-F238E27FC236}">
@@ -4771,7 +5011,7 @@
 </p:sld>
 </file>
 
-<file path=ppt/slides/slide12.xml><?xml version="1.0" encoding="utf-8"?>
+<file path=ppt/slides/slide14.xml><?xml version="1.0" encoding="utf-8"?>
 <p:sld xmlns:a="http://schemas.openxmlformats.org/drawingml/2006/main" xmlns:r="http://schemas.openxmlformats.org/officeDocument/2006/relationships" xmlns:p="http://schemas.openxmlformats.org/presentationml/2006/main">
   <p:cSld>
     <p:bg>
@@ -5205,16 +5445,13 @@
           <a:p>
             <a:r>
               <a:rPr lang="en-US" dirty="0"/>
-              <a:t>3:15 – 5 PM: Azure Monitor Dashboard and Analytics Challenge</a:t>
-            </a:r>
-          </a:p>
-          <a:p>
-            <a:pPr marL="0" indent="0">
-              <a:buNone/>
-            </a:pPr>
+              <a:t>3:15 – 4 PM: Log Analytics Query Challenge</a:t>
+            </a:r>
+          </a:p>
+          <a:p>
             <a:r>
               <a:rPr lang="en-US" dirty="0"/>
-              <a:t>Note: We are planning to provide a few side challenges as well.</a:t>
+              <a:t>4 – 5 PM Azure Monitor Dashboard and Analytics Challenge</a:t>
             </a:r>
           </a:p>
           <a:p>
@@ -5309,7 +5546,7 @@
         </p:spPr>
         <p:txBody>
           <a:bodyPr>
-            <a:normAutofit fontScale="92500"/>
+            <a:normAutofit lnSpcReduction="10000"/>
           </a:bodyPr>
           <a:lstStyle/>
           <a:p>
@@ -5396,16 +5633,6 @@
             <a:br>
               <a:rPr lang="en-US" dirty="0"/>
             </a:br>
-            <a:r>
-              <a:rPr lang="en-US" u="sng" dirty="0">
-                <a:hlinkClick r:id="rId7"/>
-              </a:rPr>
-              <a:t>https://github.com/rkuehfus/pre-ready-2019-H1/blob/master/Student/Guides/Deployment%20Setup%20Guide.docx?raw=true</a:t>
-            </a:r>
-            <a:endParaRPr lang="en-US" dirty="0"/>
-          </a:p>
-          <a:p>
-            <a:pPr lvl="1"/>
             <a:endParaRPr lang="en-US" dirty="0"/>
           </a:p>
         </p:txBody>
@@ -6559,7 +6786,7 @@
           <a:p>
             <a:r>
               <a:rPr lang="en-US" dirty="0"/>
-              <a:t>Dashboard &amp; Analytics Challenge</a:t>
+              <a:t>Log Analytics Query Challenge</a:t>
             </a:r>
           </a:p>
         </p:txBody>
@@ -6589,45 +6816,46 @@
           <a:p>
             <a:r>
               <a:rPr lang="en-US" dirty="0"/>
-              <a:t>Deploy Grafana using Web App for Container</a:t>
+              <a:t>Write a performance query that renders a time chart for the last 4 hours for both of the Web Servers and the SQL Server for the following perf metrics. Save each query to your favorites.</a:t>
             </a:r>
           </a:p>
           <a:p>
             <a:pPr lvl="1"/>
             <a:r>
               <a:rPr lang="en-US" dirty="0"/>
-              <a:t>Hint: </a:t>
-            </a:r>
-            <a:r>
-              <a:rPr lang="en-US" dirty="0">
-                <a:hlinkClick r:id="rId3"/>
-              </a:rPr>
-              <a:t>http://docs.grafana.org/installation/docker/</a:t>
-            </a:r>
-            <a:endParaRPr lang="en-US" dirty="0"/>
-          </a:p>
-          <a:p>
+              <a:t>Processor Utilization: Processor / % Processor Time</a:t>
+            </a:r>
+          </a:p>
+          <a:p>
+            <a:pPr lvl="1"/>
             <a:r>
               <a:rPr lang="en-US" dirty="0"/>
-              <a:t>Configure the Azure Monitor Data Source for Azure Monitor, Log Analytics and Application Insights</a:t>
-            </a:r>
-          </a:p>
-          <a:p>
+              <a:t>Memory Utilization: Memory / % Committed Bytes In Use</a:t>
+            </a:r>
+          </a:p>
+          <a:p>
+            <a:pPr lvl="1"/>
             <a:r>
               <a:rPr lang="en-US" dirty="0"/>
-              <a:t>Create a CPU Chart with a Grafana variable used to select Computer Name</a:t>
+              <a:t>Disk Utilization (IO): Disk Reads/sec and Disk Writes/sec</a:t>
             </a:r>
           </a:p>
           <a:p>
             <a:r>
               <a:rPr lang="en-US" dirty="0"/>
-              <a:t>Add an Annotation to your chart overlaying Computer Heartbeat</a:t>
+              <a:t>Create a heartbeat query for Web Servers and SQL Server</a:t>
             </a:r>
           </a:p>
           <a:p>
             <a:r>
               <a:rPr lang="en-US" dirty="0"/>
-              <a:t>First Team to email me a screenshot with your chart wins the challenge.  Good luck!</a:t>
+              <a:t>Write a performance query that renders a time chart for the last hour of the max percentage CPU usage of the AKS Cluster nodes</a:t>
+            </a:r>
+          </a:p>
+          <a:p>
+            <a:r>
+              <a:rPr lang="en-US" dirty="0"/>
+              <a:t>First team with a screenshots of the time charts wins the Challenge</a:t>
             </a:r>
           </a:p>
           <a:p>
@@ -6646,7 +6874,7 @@
     </p:spTree>
     <p:extLst>
       <p:ext uri="{BB962C8B-B14F-4D97-AF65-F5344CB8AC3E}">
-        <p14:creationId xmlns:p14="http://schemas.microsoft.com/office/powerpoint/2010/main" val="340413092"/>
+        <p14:creationId xmlns:p14="http://schemas.microsoft.com/office/powerpoint/2010/main" val="1022723343"/>
       </p:ext>
     </p:extLst>
   </p:cSld>

--- a/Student/Guides/Challenges.pptx
+++ b/Student/Guides/Challenges.pptx
@@ -602,7 +602,7 @@
           <a:p>
             <a:fld id="{53D76E38-EB4B-425D-87E0-B33791D2CD91}" type="datetimeFigureOut">
               <a:rPr lang="en-US" smtClean="0"/>
-              <a:t>2/24/2020</a:t>
+              <a:t>3/5/2020</a:t>
             </a:fld>
             <a:endParaRPr lang="en-US"/>
           </a:p>
@@ -1352,7 +1352,7 @@
           <a:p>
             <a:fld id="{3E3C2F32-47E1-4D90-8C64-89D7BCB0B356}" type="datetimeFigureOut">
               <a:rPr lang="en-US" smtClean="0"/>
-              <a:t>2/24/2020</a:t>
+              <a:t>3/5/2020</a:t>
             </a:fld>
             <a:endParaRPr lang="en-US"/>
           </a:p>
@@ -1550,7 +1550,7 @@
           <a:p>
             <a:fld id="{3E3C2F32-47E1-4D90-8C64-89D7BCB0B356}" type="datetimeFigureOut">
               <a:rPr lang="en-US" smtClean="0"/>
-              <a:t>2/24/2020</a:t>
+              <a:t>3/5/2020</a:t>
             </a:fld>
             <a:endParaRPr lang="en-US"/>
           </a:p>
@@ -1758,7 +1758,7 @@
           <a:p>
             <a:fld id="{3E3C2F32-47E1-4D90-8C64-89D7BCB0B356}" type="datetimeFigureOut">
               <a:rPr lang="en-US" smtClean="0"/>
-              <a:t>2/24/2020</a:t>
+              <a:t>3/5/2020</a:t>
             </a:fld>
             <a:endParaRPr lang="en-US"/>
           </a:p>
@@ -1956,7 +1956,7 @@
           <a:p>
             <a:fld id="{3E3C2F32-47E1-4D90-8C64-89D7BCB0B356}" type="datetimeFigureOut">
               <a:rPr lang="en-US" smtClean="0"/>
-              <a:t>2/24/2020</a:t>
+              <a:t>3/5/2020</a:t>
             </a:fld>
             <a:endParaRPr lang="en-US"/>
           </a:p>
@@ -2231,7 +2231,7 @@
           <a:p>
             <a:fld id="{3E3C2F32-47E1-4D90-8C64-89D7BCB0B356}" type="datetimeFigureOut">
               <a:rPr lang="en-US" smtClean="0"/>
-              <a:t>2/24/2020</a:t>
+              <a:t>3/5/2020</a:t>
             </a:fld>
             <a:endParaRPr lang="en-US"/>
           </a:p>
@@ -2496,7 +2496,7 @@
           <a:p>
             <a:fld id="{3E3C2F32-47E1-4D90-8C64-89D7BCB0B356}" type="datetimeFigureOut">
               <a:rPr lang="en-US" smtClean="0"/>
-              <a:t>2/24/2020</a:t>
+              <a:t>3/5/2020</a:t>
             </a:fld>
             <a:endParaRPr lang="en-US"/>
           </a:p>
@@ -2908,7 +2908,7 @@
           <a:p>
             <a:fld id="{3E3C2F32-47E1-4D90-8C64-89D7BCB0B356}" type="datetimeFigureOut">
               <a:rPr lang="en-US" smtClean="0"/>
-              <a:t>2/24/2020</a:t>
+              <a:t>3/5/2020</a:t>
             </a:fld>
             <a:endParaRPr lang="en-US"/>
           </a:p>
@@ -3049,7 +3049,7 @@
           <a:p>
             <a:fld id="{3E3C2F32-47E1-4D90-8C64-89D7BCB0B356}" type="datetimeFigureOut">
               <a:rPr lang="en-US" smtClean="0"/>
-              <a:t>2/24/2020</a:t>
+              <a:t>3/5/2020</a:t>
             </a:fld>
             <a:endParaRPr lang="en-US"/>
           </a:p>
@@ -3162,7 +3162,7 @@
           <a:p>
             <a:fld id="{3E3C2F32-47E1-4D90-8C64-89D7BCB0B356}" type="datetimeFigureOut">
               <a:rPr lang="en-US" smtClean="0"/>
-              <a:t>2/24/2020</a:t>
+              <a:t>3/5/2020</a:t>
             </a:fld>
             <a:endParaRPr lang="en-US"/>
           </a:p>
@@ -3473,7 +3473,7 @@
           <a:p>
             <a:fld id="{3E3C2F32-47E1-4D90-8C64-89D7BCB0B356}" type="datetimeFigureOut">
               <a:rPr lang="en-US" smtClean="0"/>
-              <a:t>2/24/2020</a:t>
+              <a:t>3/5/2020</a:t>
             </a:fld>
             <a:endParaRPr lang="en-US"/>
           </a:p>
@@ -3761,7 +3761,7 @@
           <a:p>
             <a:fld id="{3E3C2F32-47E1-4D90-8C64-89D7BCB0B356}" type="datetimeFigureOut">
               <a:rPr lang="en-US" smtClean="0"/>
-              <a:t>2/24/2020</a:t>
+              <a:t>3/5/2020</a:t>
             </a:fld>
             <a:endParaRPr lang="en-US"/>
           </a:p>
@@ -4002,7 +4002,7 @@
           <a:p>
             <a:fld id="{3E3C2F32-47E1-4D90-8C64-89D7BCB0B356}" type="datetimeFigureOut">
               <a:rPr lang="en-US" smtClean="0"/>
-              <a:t>2/24/2020</a:t>
+              <a:t>3/5/2020</a:t>
             </a:fld>
             <a:endParaRPr lang="en-US"/>
           </a:p>
@@ -4555,21 +4555,14 @@
           <a:p>
             <a:r>
               <a:rPr lang="en-US" dirty="0"/>
-              <a:t>Combine infrastructure and application logs to create a single timeseries table that includes: </a:t>
+              <a:t>Combine infrastructure and application logs to create a single timeseries chart that includes: </a:t>
             </a:r>
           </a:p>
           <a:p>
             <a:pPr lvl="1"/>
             <a:r>
               <a:rPr lang="en-US" dirty="0"/>
-              <a:t>CPU usage from nodes in your AKS cluster </a:t>
-            </a:r>
-          </a:p>
-          <a:p>
-            <a:pPr lvl="1"/>
-            <a:r>
-              <a:rPr lang="en-US" dirty="0"/>
-              <a:t>Server response time of requests to your </a:t>
+              <a:t>CPU usage from the node in your AKS cluster hosting the </a:t>
             </a:r>
             <a:r>
               <a:rPr lang="en-US" dirty="0" err="1"/>
@@ -4577,7 +4570,22 @@
             </a:r>
             <a:r>
               <a:rPr lang="en-US" dirty="0"/>
-              <a:t> app hosted on the cluster.</a:t>
+              <a:t> app</a:t>
+            </a:r>
+          </a:p>
+          <a:p>
+            <a:pPr lvl="1"/>
+            <a:r>
+              <a:rPr lang="en-US" dirty="0"/>
+              <a:t>Duration of page views on your </a:t>
+            </a:r>
+            <a:r>
+              <a:rPr lang="en-US" dirty="0" err="1"/>
+              <a:t>eshoponweb</a:t>
+            </a:r>
+            <a:r>
+              <a:rPr lang="en-US" dirty="0"/>
+              <a:t> app hosted on the cluster</a:t>
             </a:r>
           </a:p>
           <a:p>

--- a/Student/Guides/Challenges.pptx
+++ b/Student/Guides/Challenges.pptx
@@ -602,7 +602,7 @@
           <a:p>
             <a:fld id="{53D76E38-EB4B-425D-87E0-B33791D2CD91}" type="datetimeFigureOut">
               <a:rPr lang="en-US" smtClean="0"/>
-              <a:t>3/5/2020</a:t>
+              <a:t>3/23/2020</a:t>
             </a:fld>
             <a:endParaRPr lang="en-US"/>
           </a:p>
@@ -1352,7 +1352,7 @@
           <a:p>
             <a:fld id="{3E3C2F32-47E1-4D90-8C64-89D7BCB0B356}" type="datetimeFigureOut">
               <a:rPr lang="en-US" smtClean="0"/>
-              <a:t>3/5/2020</a:t>
+              <a:t>3/23/2020</a:t>
             </a:fld>
             <a:endParaRPr lang="en-US"/>
           </a:p>
@@ -1550,7 +1550,7 @@
           <a:p>
             <a:fld id="{3E3C2F32-47E1-4D90-8C64-89D7BCB0B356}" type="datetimeFigureOut">
               <a:rPr lang="en-US" smtClean="0"/>
-              <a:t>3/5/2020</a:t>
+              <a:t>3/23/2020</a:t>
             </a:fld>
             <a:endParaRPr lang="en-US"/>
           </a:p>
@@ -1758,7 +1758,7 @@
           <a:p>
             <a:fld id="{3E3C2F32-47E1-4D90-8C64-89D7BCB0B356}" type="datetimeFigureOut">
               <a:rPr lang="en-US" smtClean="0"/>
-              <a:t>3/5/2020</a:t>
+              <a:t>3/23/2020</a:t>
             </a:fld>
             <a:endParaRPr lang="en-US"/>
           </a:p>
@@ -1956,7 +1956,7 @@
           <a:p>
             <a:fld id="{3E3C2F32-47E1-4D90-8C64-89D7BCB0B356}" type="datetimeFigureOut">
               <a:rPr lang="en-US" smtClean="0"/>
-              <a:t>3/5/2020</a:t>
+              <a:t>3/23/2020</a:t>
             </a:fld>
             <a:endParaRPr lang="en-US"/>
           </a:p>
@@ -2231,7 +2231,7 @@
           <a:p>
             <a:fld id="{3E3C2F32-47E1-4D90-8C64-89D7BCB0B356}" type="datetimeFigureOut">
               <a:rPr lang="en-US" smtClean="0"/>
-              <a:t>3/5/2020</a:t>
+              <a:t>3/23/2020</a:t>
             </a:fld>
             <a:endParaRPr lang="en-US"/>
           </a:p>
@@ -2496,7 +2496,7 @@
           <a:p>
             <a:fld id="{3E3C2F32-47E1-4D90-8C64-89D7BCB0B356}" type="datetimeFigureOut">
               <a:rPr lang="en-US" smtClean="0"/>
-              <a:t>3/5/2020</a:t>
+              <a:t>3/23/2020</a:t>
             </a:fld>
             <a:endParaRPr lang="en-US"/>
           </a:p>
@@ -2908,7 +2908,7 @@
           <a:p>
             <a:fld id="{3E3C2F32-47E1-4D90-8C64-89D7BCB0B356}" type="datetimeFigureOut">
               <a:rPr lang="en-US" smtClean="0"/>
-              <a:t>3/5/2020</a:t>
+              <a:t>3/23/2020</a:t>
             </a:fld>
             <a:endParaRPr lang="en-US"/>
           </a:p>
@@ -3049,7 +3049,7 @@
           <a:p>
             <a:fld id="{3E3C2F32-47E1-4D90-8C64-89D7BCB0B356}" type="datetimeFigureOut">
               <a:rPr lang="en-US" smtClean="0"/>
-              <a:t>3/5/2020</a:t>
+              <a:t>3/23/2020</a:t>
             </a:fld>
             <a:endParaRPr lang="en-US"/>
           </a:p>
@@ -3162,7 +3162,7 @@
           <a:p>
             <a:fld id="{3E3C2F32-47E1-4D90-8C64-89D7BCB0B356}" type="datetimeFigureOut">
               <a:rPr lang="en-US" smtClean="0"/>
-              <a:t>3/5/2020</a:t>
+              <a:t>3/23/2020</a:t>
             </a:fld>
             <a:endParaRPr lang="en-US"/>
           </a:p>
@@ -3473,7 +3473,7 @@
           <a:p>
             <a:fld id="{3E3C2F32-47E1-4D90-8C64-89D7BCB0B356}" type="datetimeFigureOut">
               <a:rPr lang="en-US" smtClean="0"/>
-              <a:t>3/5/2020</a:t>
+              <a:t>3/23/2020</a:t>
             </a:fld>
             <a:endParaRPr lang="en-US"/>
           </a:p>
@@ -3761,7 +3761,7 @@
           <a:p>
             <a:fld id="{3E3C2F32-47E1-4D90-8C64-89D7BCB0B356}" type="datetimeFigureOut">
               <a:rPr lang="en-US" smtClean="0"/>
-              <a:t>3/5/2020</a:t>
+              <a:t>3/23/2020</a:t>
             </a:fld>
             <a:endParaRPr lang="en-US"/>
           </a:p>
@@ -4002,7 +4002,7 @@
           <a:p>
             <a:fld id="{3E3C2F32-47E1-4D90-8C64-89D7BCB0B356}" type="datetimeFigureOut">
               <a:rPr lang="en-US" smtClean="0"/>
-              <a:t>3/5/2020</a:t>
+              <a:t>3/23/2020</a:t>
             </a:fld>
             <a:endParaRPr lang="en-US"/>
           </a:p>
@@ -6014,7 +6014,19 @@
           <a:p>
             <a:r>
               <a:rPr lang="en-US" sz="2000" dirty="0"/>
-              <a:t>From the ARM template, send the below guest OS metric to Azure Monitor for the SQL Server</a:t>
+              <a:t>Using AZ CLI, </a:t>
+            </a:r>
+            <a:r>
+              <a:rPr lang="en-US" sz="2000" dirty="0" err="1"/>
+              <a:t>Powershell</a:t>
+            </a:r>
+            <a:r>
+              <a:rPr lang="en-US" sz="2000"/>
+              <a:t> or ARM </a:t>
+            </a:r>
+            <a:r>
+              <a:rPr lang="en-US" sz="2000" dirty="0"/>
+              <a:t>template, send the below guest OS metric to Azure Monitor for the SQL Server</a:t>
             </a:r>
           </a:p>
           <a:p>

--- a/Student/Guides/Challenges.pptx
+++ b/Student/Guides/Challenges.pptx
@@ -602,7 +602,7 @@
           <a:p>
             <a:fld id="{53D76E38-EB4B-425D-87E0-B33791D2CD91}" type="datetimeFigureOut">
               <a:rPr lang="en-US" smtClean="0"/>
-              <a:t>3/23/2020</a:t>
+              <a:t>4/2/2020</a:t>
             </a:fld>
             <a:endParaRPr lang="en-US"/>
           </a:p>
@@ -1352,7 +1352,7 @@
           <a:p>
             <a:fld id="{3E3C2F32-47E1-4D90-8C64-89D7BCB0B356}" type="datetimeFigureOut">
               <a:rPr lang="en-US" smtClean="0"/>
-              <a:t>3/23/2020</a:t>
+              <a:t>4/2/2020</a:t>
             </a:fld>
             <a:endParaRPr lang="en-US"/>
           </a:p>
@@ -1550,7 +1550,7 @@
           <a:p>
             <a:fld id="{3E3C2F32-47E1-4D90-8C64-89D7BCB0B356}" type="datetimeFigureOut">
               <a:rPr lang="en-US" smtClean="0"/>
-              <a:t>3/23/2020</a:t>
+              <a:t>4/2/2020</a:t>
             </a:fld>
             <a:endParaRPr lang="en-US"/>
           </a:p>
@@ -1758,7 +1758,7 @@
           <a:p>
             <a:fld id="{3E3C2F32-47E1-4D90-8C64-89D7BCB0B356}" type="datetimeFigureOut">
               <a:rPr lang="en-US" smtClean="0"/>
-              <a:t>3/23/2020</a:t>
+              <a:t>4/2/2020</a:t>
             </a:fld>
             <a:endParaRPr lang="en-US"/>
           </a:p>
@@ -1956,7 +1956,7 @@
           <a:p>
             <a:fld id="{3E3C2F32-47E1-4D90-8C64-89D7BCB0B356}" type="datetimeFigureOut">
               <a:rPr lang="en-US" smtClean="0"/>
-              <a:t>3/23/2020</a:t>
+              <a:t>4/2/2020</a:t>
             </a:fld>
             <a:endParaRPr lang="en-US"/>
           </a:p>
@@ -2231,7 +2231,7 @@
           <a:p>
             <a:fld id="{3E3C2F32-47E1-4D90-8C64-89D7BCB0B356}" type="datetimeFigureOut">
               <a:rPr lang="en-US" smtClean="0"/>
-              <a:t>3/23/2020</a:t>
+              <a:t>4/2/2020</a:t>
             </a:fld>
             <a:endParaRPr lang="en-US"/>
           </a:p>
@@ -2496,7 +2496,7 @@
           <a:p>
             <a:fld id="{3E3C2F32-47E1-4D90-8C64-89D7BCB0B356}" type="datetimeFigureOut">
               <a:rPr lang="en-US" smtClean="0"/>
-              <a:t>3/23/2020</a:t>
+              <a:t>4/2/2020</a:t>
             </a:fld>
             <a:endParaRPr lang="en-US"/>
           </a:p>
@@ -2908,7 +2908,7 @@
           <a:p>
             <a:fld id="{3E3C2F32-47E1-4D90-8C64-89D7BCB0B356}" type="datetimeFigureOut">
               <a:rPr lang="en-US" smtClean="0"/>
-              <a:t>3/23/2020</a:t>
+              <a:t>4/2/2020</a:t>
             </a:fld>
             <a:endParaRPr lang="en-US"/>
           </a:p>
@@ -3049,7 +3049,7 @@
           <a:p>
             <a:fld id="{3E3C2F32-47E1-4D90-8C64-89D7BCB0B356}" type="datetimeFigureOut">
               <a:rPr lang="en-US" smtClean="0"/>
-              <a:t>3/23/2020</a:t>
+              <a:t>4/2/2020</a:t>
             </a:fld>
             <a:endParaRPr lang="en-US"/>
           </a:p>
@@ -3162,7 +3162,7 @@
           <a:p>
             <a:fld id="{3E3C2F32-47E1-4D90-8C64-89D7BCB0B356}" type="datetimeFigureOut">
               <a:rPr lang="en-US" smtClean="0"/>
-              <a:t>3/23/2020</a:t>
+              <a:t>4/2/2020</a:t>
             </a:fld>
             <a:endParaRPr lang="en-US"/>
           </a:p>
@@ -3473,7 +3473,7 @@
           <a:p>
             <a:fld id="{3E3C2F32-47E1-4D90-8C64-89D7BCB0B356}" type="datetimeFigureOut">
               <a:rPr lang="en-US" smtClean="0"/>
-              <a:t>3/23/2020</a:t>
+              <a:t>4/2/2020</a:t>
             </a:fld>
             <a:endParaRPr lang="en-US"/>
           </a:p>
@@ -3761,7 +3761,7 @@
           <a:p>
             <a:fld id="{3E3C2F32-47E1-4D90-8C64-89D7BCB0B356}" type="datetimeFigureOut">
               <a:rPr lang="en-US" smtClean="0"/>
-              <a:t>3/23/2020</a:t>
+              <a:t>4/2/2020</a:t>
             </a:fld>
             <a:endParaRPr lang="en-US"/>
           </a:p>
@@ -4002,7 +4002,7 @@
           <a:p>
             <a:fld id="{3E3C2F32-47E1-4D90-8C64-89D7BCB0B356}" type="datetimeFigureOut">
               <a:rPr lang="en-US" smtClean="0"/>
-              <a:t>3/23/2020</a:t>
+              <a:t>4/2/2020</a:t>
             </a:fld>
             <a:endParaRPr lang="en-US"/>
           </a:p>
@@ -4714,7 +4714,7 @@
           <a:p>
             <a:r>
               <a:rPr lang="en-US" dirty="0"/>
-              <a:t>First Team to email me a screenshot with your chart wins the challenge.  Good luck!</a:t>
+              <a:t>First Team to post a screenshot with your chart wins the challenge.  Good luck!</a:t>
             </a:r>
           </a:p>
           <a:p>
@@ -6021,12 +6021,8 @@
               <a:t>Powershell</a:t>
             </a:r>
             <a:r>
-              <a:rPr lang="en-US" sz="2000"/>
-              <a:t> or ARM </a:t>
-            </a:r>
-            <a:r>
               <a:rPr lang="en-US" sz="2000" dirty="0"/>
-              <a:t>template, send the below guest OS metric to Azure Monitor for the SQL Server</a:t>
+              <a:t> or ARM template, send the below guest OS metric to Azure Monitor for the SQL Server</a:t>
             </a:r>
           </a:p>
           <a:p>
@@ -6076,9 +6072,12 @@
               <a:rPr lang="en-US" sz="1600" dirty="0">
                 <a:hlinkClick r:id="rId3"/>
               </a:rPr>
-              <a:t>https://docs.microsoft.com/en-us/azure/monitoring-and-diagnostics/metrics-store-custom-guestos-resource-manager-vm</a:t>
-            </a:r>
-            <a:endParaRPr lang="en-US" sz="1600" dirty="0"/>
+              <a:t>https://docs.microsoft.com/en-us/azure/azure-monitor/platform/diagnostics-extension-windows-install#azure-cli-deployment</a:t>
+            </a:r>
+            <a:r>
+              <a:rPr lang="en-US" sz="1600" dirty="0"/>
+              <a:t> </a:t>
+            </a:r>
           </a:p>
           <a:p>
             <a:r>
@@ -6178,7 +6177,7 @@
           <a:p>
             <a:r>
               <a:rPr lang="en-US" sz="2000" dirty="0"/>
-              <a:t>First team to send me both alerts wins the challenge!!</a:t>
+              <a:t>First team to post screenshots of alert email notifications win the challenge.</a:t>
             </a:r>
           </a:p>
           <a:p>
@@ -6368,7 +6367,7 @@
           <a:p>
             <a:r>
               <a:rPr lang="en-US" sz="2000" dirty="0"/>
-              <a:t>First team to me a screenshot of the new Alert Rules and Action Rule wins the challenge!!</a:t>
+              <a:t>First team to post screenshot of the new Alert Rules and Action Rule wins the challenge!!</a:t>
             </a:r>
           </a:p>
           <a:p>
@@ -6587,7 +6586,7 @@
             </a:pPr>
             <a:r>
               <a:rPr lang="en-US" sz="2400" dirty="0"/>
-              <a:t>First person to send me a screen shot of the live log with the exception message wins the challenge </a:t>
+              <a:t>First person to post a screenshot of the live log with the exception message wins the challenge </a:t>
             </a:r>
           </a:p>
         </p:txBody>
@@ -6745,7 +6744,7 @@
           <a:p>
             <a:r>
               <a:rPr lang="en-US" dirty="0"/>
-              <a:t>First Team to email me an alert of the exception wins the challenge.  Good luck</a:t>
+              <a:t>First team to post screenshot with email alert of the exception wins the challenge.  Good luck</a:t>
             </a:r>
           </a:p>
           <a:p>
@@ -6875,7 +6874,7 @@
           <a:p>
             <a:r>
               <a:rPr lang="en-US" dirty="0"/>
-              <a:t>First team with a screenshots of the time charts wins the Challenge</a:t>
+              <a:t>First team with screenshots of the time charts wins the Challenge</a:t>
             </a:r>
           </a:p>
           <a:p>

--- a/Student/Guides/Challenges.pptx
+++ b/Student/Guides/Challenges.pptx
@@ -14,8 +14,8 @@
     <p:sldId id="258" r:id="rId5"/>
     <p:sldId id="262" r:id="rId6"/>
     <p:sldId id="270" r:id="rId7"/>
-    <p:sldId id="263" r:id="rId8"/>
-    <p:sldId id="266" r:id="rId9"/>
+    <p:sldId id="266" r:id="rId8"/>
+    <p:sldId id="263" r:id="rId9"/>
     <p:sldId id="272" r:id="rId10"/>
     <p:sldId id="273" r:id="rId11"/>
     <p:sldId id="264" r:id="rId12"/>
@@ -602,7 +602,7 @@
           <a:p>
             <a:fld id="{53D76E38-EB4B-425D-87E0-B33791D2CD91}" type="datetimeFigureOut">
               <a:rPr lang="en-US" smtClean="0"/>
-              <a:t>4/2/2020</a:t>
+              <a:t>10/2/2020</a:t>
             </a:fld>
             <a:endParaRPr lang="en-US"/>
           </a:p>
@@ -1081,6 +1081,93 @@
           <a:bodyPr/>
           <a:lstStyle/>
           <a:p>
+            <a:r>
+              <a:rPr lang="en-US" dirty="0"/>
+              <a:t>When configuring dependencies for publishing, do not store strings and keys in local secrets, always choose None.</a:t>
+            </a:r>
+          </a:p>
+        </p:txBody>
+      </p:sp>
+      <p:sp>
+        <p:nvSpPr>
+          <p:cNvPr id="4" name="Slide Number Placeholder 3"/>
+          <p:cNvSpPr>
+            <a:spLocks noGrp="1"/>
+          </p:cNvSpPr>
+          <p:nvPr>
+            <p:ph type="sldNum" sz="quarter" idx="5"/>
+          </p:nvPr>
+        </p:nvSpPr>
+        <p:spPr/>
+        <p:txBody>
+          <a:bodyPr/>
+          <a:lstStyle/>
+          <a:p>
+            <a:fld id="{D1ABA2CB-342C-46F9-95EC-88F4F68DF547}" type="slidenum">
+              <a:rPr lang="en-US" smtClean="0"/>
+              <a:t>8</a:t>
+            </a:fld>
+            <a:endParaRPr lang="en-US"/>
+          </a:p>
+        </p:txBody>
+      </p:sp>
+    </p:spTree>
+    <p:extLst>
+      <p:ext uri="{BB962C8B-B14F-4D97-AF65-F5344CB8AC3E}">
+        <p14:creationId xmlns:p14="http://schemas.microsoft.com/office/powerpoint/2010/main" val="2617078074"/>
+      </p:ext>
+    </p:extLst>
+  </p:cSld>
+  <p:clrMapOvr>
+    <a:masterClrMapping/>
+  </p:clrMapOvr>
+</p:notes>
+</file>
+
+<file path=ppt/notesSlides/notesSlide4.xml><?xml version="1.0" encoding="utf-8"?>
+<p:notes xmlns:a="http://schemas.openxmlformats.org/drawingml/2006/main" xmlns:r="http://schemas.openxmlformats.org/officeDocument/2006/relationships" xmlns:p="http://schemas.openxmlformats.org/presentationml/2006/main">
+  <p:cSld>
+    <p:spTree>
+      <p:nvGrpSpPr>
+        <p:cNvPr id="1" name=""/>
+        <p:cNvGrpSpPr/>
+        <p:nvPr/>
+      </p:nvGrpSpPr>
+      <p:grpSpPr>
+        <a:xfrm>
+          <a:off x="0" y="0"/>
+          <a:ext cx="0" cy="0"/>
+          <a:chOff x="0" y="0"/>
+          <a:chExt cx="0" cy="0"/>
+        </a:xfrm>
+      </p:grpSpPr>
+      <p:sp>
+        <p:nvSpPr>
+          <p:cNvPr id="2" name="Slide Image Placeholder 1"/>
+          <p:cNvSpPr>
+            <a:spLocks noGrp="1" noRot="1" noChangeAspect="1"/>
+          </p:cNvSpPr>
+          <p:nvPr>
+            <p:ph type="sldImg"/>
+          </p:nvPr>
+        </p:nvSpPr>
+        <p:spPr/>
+      </p:sp>
+      <p:sp>
+        <p:nvSpPr>
+          <p:cNvPr id="3" name="Notes Placeholder 2"/>
+          <p:cNvSpPr>
+            <a:spLocks noGrp="1"/>
+          </p:cNvSpPr>
+          <p:nvPr>
+            <p:ph type="body" idx="1"/>
+          </p:nvPr>
+        </p:nvSpPr>
+        <p:spPr/>
+        <p:txBody>
+          <a:bodyPr/>
+          <a:lstStyle/>
+          <a:p>
             <a:endParaRPr lang="en-US" dirty="0"/>
           </a:p>
         </p:txBody>
@@ -1121,7 +1208,7 @@
 </p:notes>
 </file>
 
-<file path=ppt/notesSlides/notesSlide4.xml><?xml version="1.0" encoding="utf-8"?>
+<file path=ppt/notesSlides/notesSlide5.xml><?xml version="1.0" encoding="utf-8"?>
 <p:notes xmlns:a="http://schemas.openxmlformats.org/drawingml/2006/main" xmlns:r="http://schemas.openxmlformats.org/officeDocument/2006/relationships" xmlns:p="http://schemas.openxmlformats.org/presentationml/2006/main">
   <p:cSld>
     <p:spTree>
@@ -1352,7 +1439,7 @@
           <a:p>
             <a:fld id="{3E3C2F32-47E1-4D90-8C64-89D7BCB0B356}" type="datetimeFigureOut">
               <a:rPr lang="en-US" smtClean="0"/>
-              <a:t>4/2/2020</a:t>
+              <a:t>10/2/2020</a:t>
             </a:fld>
             <a:endParaRPr lang="en-US"/>
           </a:p>
@@ -1550,7 +1637,7 @@
           <a:p>
             <a:fld id="{3E3C2F32-47E1-4D90-8C64-89D7BCB0B356}" type="datetimeFigureOut">
               <a:rPr lang="en-US" smtClean="0"/>
-              <a:t>4/2/2020</a:t>
+              <a:t>10/2/2020</a:t>
             </a:fld>
             <a:endParaRPr lang="en-US"/>
           </a:p>
@@ -1758,7 +1845,7 @@
           <a:p>
             <a:fld id="{3E3C2F32-47E1-4D90-8C64-89D7BCB0B356}" type="datetimeFigureOut">
               <a:rPr lang="en-US" smtClean="0"/>
-              <a:t>4/2/2020</a:t>
+              <a:t>10/2/2020</a:t>
             </a:fld>
             <a:endParaRPr lang="en-US"/>
           </a:p>
@@ -1956,7 +2043,7 @@
           <a:p>
             <a:fld id="{3E3C2F32-47E1-4D90-8C64-89D7BCB0B356}" type="datetimeFigureOut">
               <a:rPr lang="en-US" smtClean="0"/>
-              <a:t>4/2/2020</a:t>
+              <a:t>10/2/2020</a:t>
             </a:fld>
             <a:endParaRPr lang="en-US"/>
           </a:p>
@@ -2231,7 +2318,7 @@
           <a:p>
             <a:fld id="{3E3C2F32-47E1-4D90-8C64-89D7BCB0B356}" type="datetimeFigureOut">
               <a:rPr lang="en-US" smtClean="0"/>
-              <a:t>4/2/2020</a:t>
+              <a:t>10/2/2020</a:t>
             </a:fld>
             <a:endParaRPr lang="en-US"/>
           </a:p>
@@ -2496,7 +2583,7 @@
           <a:p>
             <a:fld id="{3E3C2F32-47E1-4D90-8C64-89D7BCB0B356}" type="datetimeFigureOut">
               <a:rPr lang="en-US" smtClean="0"/>
-              <a:t>4/2/2020</a:t>
+              <a:t>10/2/2020</a:t>
             </a:fld>
             <a:endParaRPr lang="en-US"/>
           </a:p>
@@ -2908,7 +2995,7 @@
           <a:p>
             <a:fld id="{3E3C2F32-47E1-4D90-8C64-89D7BCB0B356}" type="datetimeFigureOut">
               <a:rPr lang="en-US" smtClean="0"/>
-              <a:t>4/2/2020</a:t>
+              <a:t>10/2/2020</a:t>
             </a:fld>
             <a:endParaRPr lang="en-US"/>
           </a:p>
@@ -3049,7 +3136,7 @@
           <a:p>
             <a:fld id="{3E3C2F32-47E1-4D90-8C64-89D7BCB0B356}" type="datetimeFigureOut">
               <a:rPr lang="en-US" smtClean="0"/>
-              <a:t>4/2/2020</a:t>
+              <a:t>10/2/2020</a:t>
             </a:fld>
             <a:endParaRPr lang="en-US"/>
           </a:p>
@@ -3162,7 +3249,7 @@
           <a:p>
             <a:fld id="{3E3C2F32-47E1-4D90-8C64-89D7BCB0B356}" type="datetimeFigureOut">
               <a:rPr lang="en-US" smtClean="0"/>
-              <a:t>4/2/2020</a:t>
+              <a:t>10/2/2020</a:t>
             </a:fld>
             <a:endParaRPr lang="en-US"/>
           </a:p>
@@ -3473,7 +3560,7 @@
           <a:p>
             <a:fld id="{3E3C2F32-47E1-4D90-8C64-89D7BCB0B356}" type="datetimeFigureOut">
               <a:rPr lang="en-US" smtClean="0"/>
-              <a:t>4/2/2020</a:t>
+              <a:t>10/2/2020</a:t>
             </a:fld>
             <a:endParaRPr lang="en-US"/>
           </a:p>
@@ -3761,7 +3848,7 @@
           <a:p>
             <a:fld id="{3E3C2F32-47E1-4D90-8C64-89D7BCB0B356}" type="datetimeFigureOut">
               <a:rPr lang="en-US" smtClean="0"/>
-              <a:t>4/2/2020</a:t>
+              <a:t>10/2/2020</a:t>
             </a:fld>
             <a:endParaRPr lang="en-US"/>
           </a:p>
@@ -4002,7 +4089,7 @@
           <a:p>
             <a:fld id="{3E3C2F32-47E1-4D90-8C64-89D7BCB0B356}" type="datetimeFigureOut">
               <a:rPr lang="en-US" smtClean="0"/>
-              <a:t>4/2/2020</a:t>
+              <a:t>10/2/2020</a:t>
             </a:fld>
             <a:endParaRPr lang="en-US"/>
           </a:p>
@@ -4444,7 +4531,7 @@
           <a:p>
             <a:r>
               <a:rPr lang="en-US" dirty="0"/>
-              <a:t>Azure Monitor Workshop</a:t>
+              <a:t>Azure Monitor Hackathon</a:t>
             </a:r>
           </a:p>
         </p:txBody>
@@ -4470,7 +4557,10 @@
           <a:bodyPr/>
           <a:lstStyle/>
           <a:p>
-            <a:endParaRPr lang="en-US" dirty="0"/>
+            <a:r>
+              <a:rPr lang="en-US" dirty="0"/>
+              <a:t>Challenge-based Azure Monitoring Workshop</a:t>
+            </a:r>
           </a:p>
         </p:txBody>
       </p:sp>
@@ -4577,7 +4667,7 @@
             <a:pPr lvl="1"/>
             <a:r>
               <a:rPr lang="en-US" dirty="0"/>
-              <a:t>Duration of page views on your </a:t>
+              <a:t>Duration of requests on your </a:t>
             </a:r>
             <a:r>
               <a:rPr lang="en-US" dirty="0" err="1"/>
@@ -5429,7 +5519,7 @@
           <a:p>
             <a:r>
               <a:rPr lang="en-US" dirty="0"/>
-              <a:t>10:45 - Noon: Azure Monitor for containers Challenge</a:t>
+              <a:t>10:45 - Noon: Azure Monitor Application Insights Challenge</a:t>
             </a:r>
           </a:p>
           <a:p>
@@ -5441,7 +5531,7 @@
           <a:p>
             <a:r>
               <a:rPr lang="en-US" dirty="0"/>
-              <a:t>1 – 3 PM: Azure Monitor Application Insights Challenge</a:t>
+              <a:t>1 – 3 PM: Azure Monitor for containers Challenge</a:t>
             </a:r>
           </a:p>
           <a:p>
@@ -5993,7 +6083,7 @@
             </a:r>
             <a:r>
               <a:rPr lang="en-US" sz="2000" dirty="0"/>
-              <a:t>” on the SQL Server</a:t>
+              <a:t>” on the SQL Server VM</a:t>
             </a:r>
             <a:br>
               <a:rPr lang="en-US" sz="2000" dirty="0"/>
@@ -6094,7 +6184,7 @@
             </a:r>
             <a:r>
               <a:rPr lang="en-US" sz="2000" dirty="0" err="1"/>
-              <a:t>Hammerdb</a:t>
+              <a:t>HammerDB</a:t>
             </a:r>
             <a:r>
               <a:rPr lang="en-US" sz="2000" dirty="0"/>
@@ -6413,7 +6503,7 @@
           <p:cNvPr id="2" name="Title 1">
             <a:extLst>
               <a:ext uri="{FF2B5EF4-FFF2-40B4-BE49-F238E27FC236}">
-                <a16:creationId xmlns:a16="http://schemas.microsoft.com/office/drawing/2014/main" id="{9103BE6A-C3F7-45A9-AAB2-2D815440BC0A}"/>
+                <a16:creationId xmlns:a16="http://schemas.microsoft.com/office/drawing/2014/main" id="{DF07F779-9493-43B4-B2B0-F6812A193792}"/>
               </a:ext>
             </a:extLst>
           </p:cNvPr>
@@ -6431,7 +6521,7 @@
           <a:p>
             <a:r>
               <a:rPr lang="en-US" dirty="0"/>
-              <a:t>Azure Monitor for Containers Challenge</a:t>
+              <a:t>Application Insights Challenge</a:t>
             </a:r>
           </a:p>
         </p:txBody>
@@ -6441,7 +6531,7 @@
           <p:cNvPr id="3" name="Content Placeholder 2">
             <a:extLst>
               <a:ext uri="{FF2B5EF4-FFF2-40B4-BE49-F238E27FC236}">
-                <a16:creationId xmlns:a16="http://schemas.microsoft.com/office/drawing/2014/main" id="{83B3D083-6DDC-4DF6-842F-2957BF37C439}"/>
+                <a16:creationId xmlns:a16="http://schemas.microsoft.com/office/drawing/2014/main" id="{1E78601A-55E5-4C27-BA46-67A384908580}"/>
               </a:ext>
             </a:extLst>
           </p:cNvPr>
@@ -6452,149 +6542,132 @@
             <p:ph idx="1"/>
           </p:nvPr>
         </p:nvSpPr>
-        <p:spPr>
-          <a:xfrm>
-            <a:off x="838200" y="1506071"/>
-            <a:ext cx="10515600" cy="4670892"/>
-          </a:xfrm>
-        </p:spPr>
+        <p:spPr/>
         <p:txBody>
           <a:bodyPr>
-            <a:normAutofit/>
+            <a:normAutofit fontScale="85000" lnSpcReduction="20000"/>
           </a:bodyPr>
           <a:lstStyle/>
           <a:p>
-            <a:endParaRPr lang="en-US" dirty="0"/>
-          </a:p>
-          <a:p>
-            <a:endParaRPr lang="en-US" dirty="0"/>
-          </a:p>
-          <a:p>
-            <a:endParaRPr lang="en-US" dirty="0"/>
-          </a:p>
-        </p:txBody>
-      </p:sp>
-      <p:sp>
-        <p:nvSpPr>
-          <p:cNvPr id="4" name="TextBox 3">
-            <a:extLst>
-              <a:ext uri="{FF2B5EF4-FFF2-40B4-BE49-F238E27FC236}">
-                <a16:creationId xmlns:a16="http://schemas.microsoft.com/office/drawing/2014/main" id="{6D97B3D3-2A54-4466-A400-EB9C6BCC333B}"/>
-              </a:ext>
-            </a:extLst>
-          </p:cNvPr>
-          <p:cNvSpPr txBox="1"/>
-          <p:nvPr/>
-        </p:nvSpPr>
-        <p:spPr>
-          <a:xfrm>
-            <a:off x="952500" y="1567543"/>
-            <a:ext cx="9312729" cy="3785652"/>
-          </a:xfrm>
-          <a:prstGeom prst="rect">
-            <a:avLst/>
-          </a:prstGeom>
-          <a:noFill/>
-        </p:spPr>
-        <p:txBody>
-          <a:bodyPr wrap="square" rtlCol="0">
-            <a:spAutoFit/>
-          </a:bodyPr>
-          <a:lstStyle/>
-          <a:p>
-            <a:pPr marL="285750" indent="-285750">
-              <a:buFont typeface="Arial" panose="020B0604020202020204" pitchFamily="34" charset="0"/>
-              <a:buChar char="•"/>
-            </a:pPr>
-            <a:r>
-              <a:rPr lang="en-US" sz="2400" dirty="0"/>
-              <a:t>From your Visual Studio Server, deploy the </a:t>
-            </a:r>
-            <a:r>
-              <a:rPr lang="en-US" sz="2400" dirty="0" err="1"/>
-              <a:t>eShoponWeb</a:t>
-            </a:r>
-            <a:r>
-              <a:rPr lang="en-US" sz="2400" dirty="0"/>
-              <a:t> application to AKS using Dev Spaces</a:t>
-            </a:r>
-          </a:p>
-          <a:p>
-            <a:pPr marL="742950" lvl="1" indent="-285750">
-              <a:buFont typeface="Arial" panose="020B0604020202020204" pitchFamily="34" charset="0"/>
-              <a:buChar char="•"/>
-            </a:pPr>
-            <a:r>
-              <a:rPr lang="en-US" sz="2400" dirty="0"/>
-              <a:t>Hint: </a:t>
-            </a:r>
-            <a:r>
-              <a:rPr lang="en-US" sz="2400" dirty="0">
+            <a:r>
+              <a:rPr lang="en-US" dirty="0"/>
+              <a:t>In Visual Studio, install the Application Insights SDK in the </a:t>
+            </a:r>
+            <a:r>
+              <a:rPr lang="en-US" dirty="0" err="1"/>
+              <a:t>eShopOnWeb</a:t>
+            </a:r>
+            <a:r>
+              <a:rPr lang="en-US" dirty="0"/>
+              <a:t> Web Project in the Solution</a:t>
+            </a:r>
+          </a:p>
+          <a:p>
+            <a:pPr lvl="1"/>
+            <a:r>
+              <a:rPr lang="en-US" dirty="0"/>
+              <a:t>Collect server-side telemetry</a:t>
+            </a:r>
+          </a:p>
+          <a:p>
+            <a:pPr lvl="2"/>
+            <a:r>
+              <a:rPr lang="en-US" sz="1900" u="sng" dirty="0">
+                <a:solidFill>
+                  <a:srgbClr val="0563C1"/>
+                </a:solidFill>
+                <a:effectLst/>
+                <a:latin typeface="Calibri" panose="020F0502020204030204" pitchFamily="34" charset="0"/>
+                <a:ea typeface="Calibri" panose="020F0502020204030204" pitchFamily="34" charset="0"/>
+                <a:cs typeface="Mangal" panose="02040503050203030202" pitchFamily="18" charset="0"/>
                 <a:hlinkClick r:id="rId2"/>
               </a:rPr>
-              <a:t>https://docs.microsoft.com/en-us/azure/dev-spaces/get-started-netcore-visualstudio</a:t>
-            </a:r>
-            <a:endParaRPr lang="en-US" sz="2400" dirty="0"/>
-          </a:p>
-          <a:p>
-            <a:pPr marL="285750" indent="-285750">
-              <a:buFont typeface="Arial" panose="020B0604020202020204" pitchFamily="34" charset="0"/>
-              <a:buChar char="•"/>
-            </a:pPr>
-            <a:r>
-              <a:rPr lang="en-US" sz="2400" dirty="0"/>
-              <a:t>From Azure Monitor, locate the container running the </a:t>
-            </a:r>
-            <a:r>
-              <a:rPr lang="en-US" sz="2400" dirty="0" err="1"/>
-              <a:t>eShoponWeb</a:t>
-            </a:r>
-            <a:r>
-              <a:rPr lang="en-US" sz="2400" dirty="0"/>
-              <a:t> application</a:t>
-            </a:r>
-          </a:p>
-          <a:p>
-            <a:pPr marL="285750" indent="-285750">
-              <a:buFont typeface="Arial" panose="020B0604020202020204" pitchFamily="34" charset="0"/>
-              <a:buChar char="•"/>
-            </a:pPr>
-            <a:r>
-              <a:rPr lang="en-US" sz="2400" dirty="0"/>
-              <a:t>Generate an exception in the </a:t>
-            </a:r>
-            <a:r>
-              <a:rPr lang="en-US" sz="2400" dirty="0" err="1"/>
-              <a:t>eShoponWeb</a:t>
-            </a:r>
-            <a:r>
-              <a:rPr lang="en-US" sz="2400" dirty="0"/>
-              <a:t> application</a:t>
-            </a:r>
-            <a:br>
-              <a:rPr lang="en-US" sz="2400" dirty="0"/>
-            </a:br>
-            <a:r>
-              <a:rPr lang="en-US" sz="2400" dirty="0"/>
-              <a:t>(Hint: Try to change your password)</a:t>
-            </a:r>
-          </a:p>
-          <a:p>
-            <a:pPr marL="285750" indent="-285750">
-              <a:buFont typeface="Arial" panose="020B0604020202020204" pitchFamily="34" charset="0"/>
-              <a:buChar char="•"/>
-            </a:pPr>
-            <a:r>
-              <a:rPr lang="en-US" sz="2400" dirty="0"/>
-              <a:t>First person to post a screenshot of the live log with the exception message wins the challenge </a:t>
-            </a:r>
+              <a:t>https://docs.microsoft.com/en-us/azure/azure-monitor/app/asp-net-core#enable-application-insights-server-side-telemetry-no-visual-studio</a:t>
+            </a:r>
+            <a:r>
+              <a:rPr lang="en-US" sz="1900" dirty="0">
+                <a:effectLst/>
+                <a:latin typeface="Calibri" panose="020F0502020204030204" pitchFamily="34" charset="0"/>
+                <a:ea typeface="Calibri" panose="020F0502020204030204" pitchFamily="34" charset="0"/>
+                <a:cs typeface="Mangal" panose="02040503050203030202" pitchFamily="18" charset="0"/>
+              </a:rPr>
+              <a:t> </a:t>
+            </a:r>
+            <a:endParaRPr lang="en-US" sz="1900" dirty="0"/>
+          </a:p>
+          <a:p>
+            <a:pPr lvl="1"/>
+            <a:r>
+              <a:rPr lang="en-US" dirty="0"/>
+              <a:t>Collect client-side page views</a:t>
+            </a:r>
+          </a:p>
+          <a:p>
+            <a:pPr lvl="2"/>
+            <a:r>
+              <a:rPr lang="en-US" sz="1900" u="sng" dirty="0">
+                <a:solidFill>
+                  <a:srgbClr val="0563C1"/>
+                </a:solidFill>
+                <a:effectLst/>
+                <a:latin typeface="Calibri" panose="020F0502020204030204" pitchFamily="34" charset="0"/>
+                <a:ea typeface="Calibri" panose="020F0502020204030204" pitchFamily="34" charset="0"/>
+                <a:cs typeface="Mangal" panose="02040503050203030202" pitchFamily="18" charset="0"/>
+                <a:hlinkClick r:id="rId3"/>
+              </a:rPr>
+              <a:t>https://docs.microsoft.com/en-us/azure/azure-monitor/app/asp-net-core#enable-client-side-telemetry-for-web-applications</a:t>
+            </a:r>
+            <a:endParaRPr lang="en-US" sz="1900" dirty="0"/>
+          </a:p>
+          <a:p>
+            <a:pPr lvl="1"/>
+            <a:r>
+              <a:rPr lang="en-US" dirty="0"/>
+              <a:t>Run the </a:t>
+            </a:r>
+            <a:r>
+              <a:rPr lang="en-US" dirty="0" err="1"/>
+              <a:t>eShopOnWeb</a:t>
+            </a:r>
+            <a:r>
+              <a:rPr lang="en-US" dirty="0"/>
+              <a:t>  Web project locally and check out the App Insights tooling in VS and the Azure Portal</a:t>
+            </a:r>
+          </a:p>
+          <a:p>
+            <a:r>
+              <a:rPr lang="en-US" dirty="0"/>
+              <a:t>Trip the exception that has been added and setup an alert for it.</a:t>
+            </a:r>
+          </a:p>
+          <a:p>
+            <a:pPr lvl="1"/>
+            <a:r>
+              <a:rPr lang="en-US" dirty="0"/>
+              <a:t>Find the exception in App Insights (Hint: Try to change your password)</a:t>
+            </a:r>
+          </a:p>
+          <a:p>
+            <a:r>
+              <a:rPr lang="en-US" dirty="0"/>
+              <a:t> Create Alerts based on availability and exceptions</a:t>
+            </a:r>
+          </a:p>
+          <a:p>
+            <a:r>
+              <a:rPr lang="en-US" dirty="0"/>
+              <a:t>First team to post screenshot with email alert of the exception wins the challenge.  Good luck</a:t>
+            </a:r>
+          </a:p>
+          <a:p>
+            <a:endParaRPr lang="en-US" dirty="0"/>
           </a:p>
         </p:txBody>
       </p:sp>
     </p:spTree>
     <p:extLst>
       <p:ext uri="{BB962C8B-B14F-4D97-AF65-F5344CB8AC3E}">
-        <p14:creationId xmlns:p14="http://schemas.microsoft.com/office/powerpoint/2010/main" val="4232406185"/>
+        <p14:creationId xmlns:p14="http://schemas.microsoft.com/office/powerpoint/2010/main" val="3119135505"/>
       </p:ext>
     </p:extLst>
   </p:cSld>
@@ -6626,7 +6699,7 @@
           <p:cNvPr id="2" name="Title 1">
             <a:extLst>
               <a:ext uri="{FF2B5EF4-FFF2-40B4-BE49-F238E27FC236}">
-                <a16:creationId xmlns:a16="http://schemas.microsoft.com/office/drawing/2014/main" id="{DF07F779-9493-43B4-B2B0-F6812A193792}"/>
+                <a16:creationId xmlns:a16="http://schemas.microsoft.com/office/drawing/2014/main" id="{9103BE6A-C3F7-45A9-AAB2-2D815440BC0A}"/>
               </a:ext>
             </a:extLst>
           </p:cNvPr>
@@ -6644,7 +6717,7 @@
           <a:p>
             <a:r>
               <a:rPr lang="en-US" dirty="0"/>
-              <a:t>Application Insights Challenges</a:t>
+              <a:t>Azure Monitor for Containers Challenge</a:t>
             </a:r>
           </a:p>
         </p:txBody>
@@ -6654,7 +6727,7 @@
           <p:cNvPr id="3" name="Content Placeholder 2">
             <a:extLst>
               <a:ext uri="{FF2B5EF4-FFF2-40B4-BE49-F238E27FC236}">
-                <a16:creationId xmlns:a16="http://schemas.microsoft.com/office/drawing/2014/main" id="{1E78601A-55E5-4C27-BA46-67A384908580}"/>
+                <a16:creationId xmlns:a16="http://schemas.microsoft.com/office/drawing/2014/main" id="{83B3D083-6DDC-4DF6-842F-2957BF37C439}"/>
               </a:ext>
             </a:extLst>
           </p:cNvPr>
@@ -6665,97 +6738,213 @@
             <p:ph idx="1"/>
           </p:nvPr>
         </p:nvSpPr>
-        <p:spPr/>
+        <p:spPr>
+          <a:xfrm>
+            <a:off x="838200" y="1506071"/>
+            <a:ext cx="10515600" cy="4670892"/>
+          </a:xfrm>
+        </p:spPr>
         <p:txBody>
           <a:bodyPr>
             <a:normAutofit/>
           </a:bodyPr>
           <a:lstStyle/>
           <a:p>
-            <a:r>
-              <a:rPr lang="en-US" dirty="0"/>
-              <a:t>In Visual Studio, Install the Application Insights SDK in the </a:t>
+            <a:endParaRPr lang="en-US" dirty="0"/>
+          </a:p>
+          <a:p>
+            <a:endParaRPr lang="en-US" dirty="0"/>
+          </a:p>
+          <a:p>
+            <a:endParaRPr lang="en-US" dirty="0"/>
+          </a:p>
+        </p:txBody>
+      </p:sp>
+      <p:sp>
+        <p:nvSpPr>
+          <p:cNvPr id="4" name="TextBox 3">
+            <a:extLst>
+              <a:ext uri="{FF2B5EF4-FFF2-40B4-BE49-F238E27FC236}">
+                <a16:creationId xmlns:a16="http://schemas.microsoft.com/office/drawing/2014/main" id="{6D97B3D3-2A54-4466-A400-EB9C6BCC333B}"/>
+              </a:ext>
+            </a:extLst>
+          </p:cNvPr>
+          <p:cNvSpPr txBox="1"/>
+          <p:nvPr/>
+        </p:nvSpPr>
+        <p:spPr>
+          <a:xfrm>
+            <a:off x="952500" y="1567543"/>
+            <a:ext cx="9312729" cy="4924425"/>
+          </a:xfrm>
+          <a:prstGeom prst="rect">
+            <a:avLst/>
+          </a:prstGeom>
+          <a:noFill/>
+        </p:spPr>
+        <p:txBody>
+          <a:bodyPr wrap="square" rtlCol="0">
+            <a:spAutoFit/>
+          </a:bodyPr>
+          <a:lstStyle/>
+          <a:p>
+            <a:pPr marL="285750" indent="-285750">
+              <a:buFont typeface="Arial" panose="020B0604020202020204" pitchFamily="34" charset="0"/>
+              <a:buChar char="•"/>
+            </a:pPr>
+            <a:r>
+              <a:rPr lang="en-US" sz="2400" dirty="0"/>
+              <a:t>From your Visual Studio Server, deploy the </a:t>
+            </a:r>
+            <a:r>
+              <a:rPr lang="en-US" sz="2400" dirty="0" err="1"/>
+              <a:t>eShoponWeb</a:t>
+            </a:r>
+            <a:r>
+              <a:rPr lang="en-US" sz="2400" dirty="0"/>
+              <a:t> application to AKS</a:t>
+            </a:r>
+          </a:p>
+          <a:p>
+            <a:pPr marL="742950" lvl="1" indent="-285750">
+              <a:buFont typeface="Arial" panose="020B0604020202020204" pitchFamily="34" charset="0"/>
+              <a:buChar char="•"/>
+            </a:pPr>
+            <a:r>
+              <a:rPr lang="en-US" dirty="0"/>
+              <a:t>Update DB connection strings to use IP addresses instead of hostnames</a:t>
+            </a:r>
+          </a:p>
+          <a:p>
+            <a:pPr marL="742950" lvl="1" indent="-285750">
+              <a:buFont typeface="Arial" panose="020B0604020202020204" pitchFamily="34" charset="0"/>
+              <a:buChar char="•"/>
+            </a:pPr>
+            <a:r>
+              <a:rPr lang="en-US" dirty="0"/>
+              <a:t>Add Docker Support to your app in VS (requires Docker Desktop to be installed)</a:t>
+            </a:r>
+          </a:p>
+          <a:p>
+            <a:pPr marL="742950" lvl="1" indent="-285750">
+              <a:buFont typeface="Arial" panose="020B0604020202020204" pitchFamily="34" charset="0"/>
+              <a:buChar char="•"/>
+            </a:pPr>
+            <a:r>
+              <a:rPr lang="en-US" dirty="0"/>
+              <a:t>Create an Azure Container Registry</a:t>
+            </a:r>
+          </a:p>
+          <a:p>
+            <a:pPr marL="742950" lvl="1" indent="-285750">
+              <a:buFont typeface="Arial" panose="020B0604020202020204" pitchFamily="34" charset="0"/>
+              <a:buChar char="•"/>
+            </a:pPr>
+            <a:r>
+              <a:rPr lang="en-US" dirty="0"/>
+              <a:t>Publish </a:t>
             </a:r>
             <a:r>
               <a:rPr lang="en-US" dirty="0" err="1"/>
-              <a:t>eShopOnWeb</a:t>
-            </a:r>
-            <a:r>
-              <a:rPr lang="en-US" dirty="0"/>
-              <a:t> Web Project in the Solution</a:t>
-            </a:r>
-          </a:p>
-          <a:p>
-            <a:pPr lvl="1"/>
-            <a:r>
-              <a:rPr lang="en-US" dirty="0"/>
-              <a:t>Run the </a:t>
-            </a:r>
-            <a:r>
-              <a:rPr lang="en-US" dirty="0" err="1"/>
-              <a:t>eShopOnWeb</a:t>
-            </a:r>
-            <a:r>
-              <a:rPr lang="en-US" dirty="0"/>
-              <a:t>  Web project and check out the App Insights tooling</a:t>
-            </a:r>
-          </a:p>
-          <a:p>
-            <a:pPr lvl="1"/>
-            <a:r>
-              <a:rPr lang="en-US" dirty="0"/>
-              <a:t>Add the updated Application Insights NuGet package to 2.12, test again</a:t>
-            </a:r>
-          </a:p>
-          <a:p>
-            <a:pPr lvl="1"/>
-            <a:r>
-              <a:rPr lang="en-US" dirty="0"/>
-              <a:t>Update the container for </a:t>
-            </a:r>
-            <a:r>
-              <a:rPr lang="en-US" dirty="0" err="1"/>
-              <a:t>eShopOnWeb</a:t>
-            </a:r>
-            <a:r>
-              <a:rPr lang="en-US" dirty="0"/>
-              <a:t> in AKS</a:t>
-            </a:r>
-          </a:p>
-          <a:p>
-            <a:r>
-              <a:rPr lang="en-US" dirty="0"/>
-              <a:t>Trip the exception that has been added and setup an alert for it.</a:t>
-            </a:r>
-          </a:p>
-          <a:p>
-            <a:pPr lvl="1"/>
-            <a:r>
-              <a:rPr lang="en-US" dirty="0"/>
-              <a:t>Find the exception in App Insights (Hint: Try to change your password)</a:t>
-            </a:r>
-          </a:p>
-          <a:p>
-            <a:r>
-              <a:rPr lang="en-US" dirty="0"/>
-              <a:t> Create Alerts based on Availability and exceptions</a:t>
-            </a:r>
-          </a:p>
-          <a:p>
-            <a:r>
-              <a:rPr lang="en-US" dirty="0"/>
-              <a:t>First team to post screenshot with email alert of the exception wins the challenge.  Good luck</a:t>
-            </a:r>
-          </a:p>
-          <a:p>
-            <a:endParaRPr lang="en-US" dirty="0"/>
+              <a:t>eshop</a:t>
+            </a:r>
+            <a:r>
+              <a:rPr lang="en-US" dirty="0"/>
+              <a:t> on web app to your Container Registry</a:t>
+            </a:r>
+          </a:p>
+          <a:p>
+            <a:pPr marL="1200150" lvl="2" indent="-285750">
+              <a:buFont typeface="Arial" panose="020B0604020202020204" pitchFamily="34" charset="0"/>
+              <a:buChar char="•"/>
+            </a:pPr>
+            <a:r>
+              <a:rPr lang="en-US" dirty="0"/>
+              <a:t>Update DB dependencies using connection strings</a:t>
+            </a:r>
+          </a:p>
+          <a:p>
+            <a:pPr marL="1200150" lvl="2" indent="-285750">
+              <a:buFont typeface="Arial" panose="020B0604020202020204" pitchFamily="34" charset="0"/>
+              <a:buChar char="•"/>
+            </a:pPr>
+            <a:r>
+              <a:rPr lang="en-US" dirty="0"/>
+              <a:t>Update App Insights dependency using instrumentation key</a:t>
+            </a:r>
+          </a:p>
+          <a:p>
+            <a:pPr marL="742950" lvl="1" indent="-285750">
+              <a:buFont typeface="Arial" panose="020B0604020202020204" pitchFamily="34" charset="0"/>
+              <a:buChar char="•"/>
+            </a:pPr>
+            <a:r>
+              <a:rPr lang="en-US" dirty="0"/>
+              <a:t>Update and use the provided deployment and service YAML files to deploy app to AKS</a:t>
+            </a:r>
+          </a:p>
+          <a:p>
+            <a:pPr marL="285750" indent="-285750">
+              <a:buFont typeface="Arial" panose="020B0604020202020204" pitchFamily="34" charset="0"/>
+              <a:buChar char="•"/>
+            </a:pPr>
+            <a:r>
+              <a:rPr lang="en-US" sz="2400" dirty="0"/>
+              <a:t>From Azure Monitor, view the CPU and memory usage of the containers running the </a:t>
+            </a:r>
+            <a:r>
+              <a:rPr lang="en-US" sz="2400" dirty="0" err="1"/>
+              <a:t>eShoponWeb</a:t>
+            </a:r>
+            <a:r>
+              <a:rPr lang="en-US" sz="2400" dirty="0"/>
+              <a:t> application</a:t>
+            </a:r>
+          </a:p>
+          <a:p>
+            <a:pPr marL="285750" indent="-285750">
+              <a:buFont typeface="Arial" panose="020B0604020202020204" pitchFamily="34" charset="0"/>
+              <a:buChar char="•"/>
+            </a:pPr>
+            <a:r>
+              <a:rPr lang="en-US" sz="2400" dirty="0"/>
+              <a:t>Generate and view an exception in the </a:t>
+            </a:r>
+            <a:r>
+              <a:rPr lang="en-US" sz="2400" dirty="0" err="1"/>
+              <a:t>eShoponWeb</a:t>
+            </a:r>
+            <a:r>
+              <a:rPr lang="en-US" sz="2400" dirty="0"/>
+              <a:t> application </a:t>
+            </a:r>
+          </a:p>
+          <a:p>
+            <a:pPr marL="742950" lvl="1" indent="-285750">
+              <a:buFont typeface="Arial" panose="020B0604020202020204" pitchFamily="34" charset="0"/>
+              <a:buChar char="•"/>
+            </a:pPr>
+            <a:r>
+              <a:rPr lang="en-US" sz="2000" dirty="0"/>
+              <a:t>Hint: Try to change your password	</a:t>
+            </a:r>
+          </a:p>
+          <a:p>
+            <a:pPr marL="285750" indent="-285750">
+              <a:buFont typeface="Arial" panose="020B0604020202020204" pitchFamily="34" charset="0"/>
+              <a:buChar char="•"/>
+            </a:pPr>
+            <a:r>
+              <a:rPr lang="en-US" sz="2400" dirty="0"/>
+              <a:t>First person to post a screenshot of the live log with the exception message wins the challenge </a:t>
+            </a:r>
           </a:p>
         </p:txBody>
       </p:sp>
     </p:spTree>
     <p:extLst>
       <p:ext uri="{BB962C8B-B14F-4D97-AF65-F5344CB8AC3E}">
-        <p14:creationId xmlns:p14="http://schemas.microsoft.com/office/powerpoint/2010/main" val="3119135505"/>
+        <p14:creationId xmlns:p14="http://schemas.microsoft.com/office/powerpoint/2010/main" val="4232406185"/>
       </p:ext>
     </p:extLst>
   </p:cSld>
